--- a/images/slides/logo.pptx
+++ b/images/slides/logo.pptx
@@ -202,7 +202,7 @@
           <a:p>
             <a:fld id="{52A2B7F2-4ED9-403D-8D8A-879FE3B4014E}" type="datetimeFigureOut">
               <a:rPr lang="en-US" smtClean="0"/>
-              <a:t>1/23/2026</a:t>
+              <a:t>2/9/26</a:t>
             </a:fld>
             <a:endParaRPr lang="en-US"/>
           </a:p>
@@ -1024,7 +1024,7 @@
           <a:p>
             <a:fld id="{A04A5567-2D39-432B-A86B-39F40DF129FF}" type="datetimeFigureOut">
               <a:rPr lang="en-US" smtClean="0"/>
-              <a:t>1/23/2026</a:t>
+              <a:t>2/9/26</a:t>
             </a:fld>
             <a:endParaRPr lang="en-US"/>
           </a:p>
@@ -1222,7 +1222,7 @@
           <a:p>
             <a:fld id="{A04A5567-2D39-432B-A86B-39F40DF129FF}" type="datetimeFigureOut">
               <a:rPr lang="en-US" smtClean="0"/>
-              <a:t>1/23/2026</a:t>
+              <a:t>2/9/26</a:t>
             </a:fld>
             <a:endParaRPr lang="en-US"/>
           </a:p>
@@ -1430,7 +1430,7 @@
           <a:p>
             <a:fld id="{A04A5567-2D39-432B-A86B-39F40DF129FF}" type="datetimeFigureOut">
               <a:rPr lang="en-US" smtClean="0"/>
-              <a:t>1/23/2026</a:t>
+              <a:t>2/9/26</a:t>
             </a:fld>
             <a:endParaRPr lang="en-US"/>
           </a:p>
@@ -1628,7 +1628,7 @@
           <a:p>
             <a:fld id="{A04A5567-2D39-432B-A86B-39F40DF129FF}" type="datetimeFigureOut">
               <a:rPr lang="en-US" smtClean="0"/>
-              <a:t>1/23/2026</a:t>
+              <a:t>2/9/26</a:t>
             </a:fld>
             <a:endParaRPr lang="en-US"/>
           </a:p>
@@ -1903,7 +1903,7 @@
           <a:p>
             <a:fld id="{A04A5567-2D39-432B-A86B-39F40DF129FF}" type="datetimeFigureOut">
               <a:rPr lang="en-US" smtClean="0"/>
-              <a:t>1/23/2026</a:t>
+              <a:t>2/9/26</a:t>
             </a:fld>
             <a:endParaRPr lang="en-US"/>
           </a:p>
@@ -2168,7 +2168,7 @@
           <a:p>
             <a:fld id="{A04A5567-2D39-432B-A86B-39F40DF129FF}" type="datetimeFigureOut">
               <a:rPr lang="en-US" smtClean="0"/>
-              <a:t>1/23/2026</a:t>
+              <a:t>2/9/26</a:t>
             </a:fld>
             <a:endParaRPr lang="en-US"/>
           </a:p>
@@ -2580,7 +2580,7 @@
           <a:p>
             <a:fld id="{A04A5567-2D39-432B-A86B-39F40DF129FF}" type="datetimeFigureOut">
               <a:rPr lang="en-US" smtClean="0"/>
-              <a:t>1/23/2026</a:t>
+              <a:t>2/9/26</a:t>
             </a:fld>
             <a:endParaRPr lang="en-US"/>
           </a:p>
@@ -2721,7 +2721,7 @@
           <a:p>
             <a:fld id="{A04A5567-2D39-432B-A86B-39F40DF129FF}" type="datetimeFigureOut">
               <a:rPr lang="en-US" smtClean="0"/>
-              <a:t>1/23/2026</a:t>
+              <a:t>2/9/26</a:t>
             </a:fld>
             <a:endParaRPr lang="en-US"/>
           </a:p>
@@ -2834,7 +2834,7 @@
           <a:p>
             <a:fld id="{A04A5567-2D39-432B-A86B-39F40DF129FF}" type="datetimeFigureOut">
               <a:rPr lang="en-US" smtClean="0"/>
-              <a:t>1/23/2026</a:t>
+              <a:t>2/9/26</a:t>
             </a:fld>
             <a:endParaRPr lang="en-US"/>
           </a:p>
@@ -3145,7 +3145,7 @@
           <a:p>
             <a:fld id="{A04A5567-2D39-432B-A86B-39F40DF129FF}" type="datetimeFigureOut">
               <a:rPr lang="en-US" smtClean="0"/>
-              <a:t>1/23/2026</a:t>
+              <a:t>2/9/26</a:t>
             </a:fld>
             <a:endParaRPr lang="en-US"/>
           </a:p>
@@ -3433,7 +3433,7 @@
           <a:p>
             <a:fld id="{A04A5567-2D39-432B-A86B-39F40DF129FF}" type="datetimeFigureOut">
               <a:rPr lang="en-US" smtClean="0"/>
-              <a:t>1/23/2026</a:t>
+              <a:t>2/9/26</a:t>
             </a:fld>
             <a:endParaRPr lang="en-US"/>
           </a:p>
@@ -3674,7 +3674,7 @@
           <a:p>
             <a:fld id="{A04A5567-2D39-432B-A86B-39F40DF129FF}" type="datetimeFigureOut">
               <a:rPr lang="en-US" smtClean="0"/>
-              <a:t>1/23/2026</a:t>
+              <a:t>2/9/26</a:t>
             </a:fld>
             <a:endParaRPr lang="en-US"/>
           </a:p>
@@ -7232,6 +7232,38 @@
               </a:rPr>
               <a:t>Ho Chi Minh city </a:t>
             </a:r>
+          </a:p>
+        </p:txBody>
+      </p:sp>
+      <p:sp>
+        <p:nvSpPr>
+          <p:cNvPr id="3" name="TextBox 2">
+            <a:extLst>
+              <a:ext uri="{FF2B5EF4-FFF2-40B4-BE49-F238E27FC236}">
+                <a16:creationId xmlns:a16="http://schemas.microsoft.com/office/drawing/2014/main" id="{DFCC91FC-4D44-7D0A-F078-A1D7B135C607}"/>
+              </a:ext>
+            </a:extLst>
+          </p:cNvPr>
+          <p:cNvSpPr txBox="1"/>
+          <p:nvPr/>
+        </p:nvSpPr>
+        <p:spPr>
+          <a:xfrm>
+            <a:off x="6212910" y="3757808"/>
+            <a:ext cx="184731" cy="369332"/>
+          </a:xfrm>
+          <a:prstGeom prst="rect">
+            <a:avLst/>
+          </a:prstGeom>
+          <a:noFill/>
+        </p:spPr>
+        <p:txBody>
+          <a:bodyPr wrap="none" rtlCol="0">
+            <a:spAutoFit/>
+          </a:bodyPr>
+          <a:lstStyle/>
+          <a:p>
+            <a:endParaRPr lang="en-VN"/>
           </a:p>
         </p:txBody>
       </p:sp>
